--- a/dynamicTraining.pptx
+++ b/dynamicTraining.pptx
@@ -259,7 +259,7 @@
           <a:p>
             <a:fld id="{CFE2123C-B64D-A343-BD51-70F5FE8B4A19}" type="datetimeFigureOut">
               <a:rPr lang="en-US" smtClean="0"/>
-              <a:t>5/9/16</a:t>
+              <a:t>5/12/16</a:t>
             </a:fld>
             <a:endParaRPr lang="en-US"/>
           </a:p>
@@ -429,7 +429,7 @@
           <a:p>
             <a:fld id="{CFE2123C-B64D-A343-BD51-70F5FE8B4A19}" type="datetimeFigureOut">
               <a:rPr lang="en-US" smtClean="0"/>
-              <a:t>5/9/16</a:t>
+              <a:t>5/12/16</a:t>
             </a:fld>
             <a:endParaRPr lang="en-US"/>
           </a:p>
@@ -609,7 +609,7 @@
           <a:p>
             <a:fld id="{CFE2123C-B64D-A343-BD51-70F5FE8B4A19}" type="datetimeFigureOut">
               <a:rPr lang="en-US" smtClean="0"/>
-              <a:t>5/9/16</a:t>
+              <a:t>5/12/16</a:t>
             </a:fld>
             <a:endParaRPr lang="en-US"/>
           </a:p>
@@ -779,7 +779,7 @@
           <a:p>
             <a:fld id="{CFE2123C-B64D-A343-BD51-70F5FE8B4A19}" type="datetimeFigureOut">
               <a:rPr lang="en-US" smtClean="0"/>
-              <a:t>5/9/16</a:t>
+              <a:t>5/12/16</a:t>
             </a:fld>
             <a:endParaRPr lang="en-US"/>
           </a:p>
@@ -1025,7 +1025,7 @@
           <a:p>
             <a:fld id="{CFE2123C-B64D-A343-BD51-70F5FE8B4A19}" type="datetimeFigureOut">
               <a:rPr lang="en-US" smtClean="0"/>
-              <a:t>5/9/16</a:t>
+              <a:t>5/12/16</a:t>
             </a:fld>
             <a:endParaRPr lang="en-US"/>
           </a:p>
@@ -1257,7 +1257,7 @@
           <a:p>
             <a:fld id="{CFE2123C-B64D-A343-BD51-70F5FE8B4A19}" type="datetimeFigureOut">
               <a:rPr lang="en-US" smtClean="0"/>
-              <a:t>5/9/16</a:t>
+              <a:t>5/12/16</a:t>
             </a:fld>
             <a:endParaRPr lang="en-US"/>
           </a:p>
@@ -1624,7 +1624,7 @@
           <a:p>
             <a:fld id="{CFE2123C-B64D-A343-BD51-70F5FE8B4A19}" type="datetimeFigureOut">
               <a:rPr lang="en-US" smtClean="0"/>
-              <a:t>5/9/16</a:t>
+              <a:t>5/12/16</a:t>
             </a:fld>
             <a:endParaRPr lang="en-US"/>
           </a:p>
@@ -1742,7 +1742,7 @@
           <a:p>
             <a:fld id="{CFE2123C-B64D-A343-BD51-70F5FE8B4A19}" type="datetimeFigureOut">
               <a:rPr lang="en-US" smtClean="0"/>
-              <a:t>5/9/16</a:t>
+              <a:t>5/12/16</a:t>
             </a:fld>
             <a:endParaRPr lang="en-US"/>
           </a:p>
@@ -1837,7 +1837,7 @@
           <a:p>
             <a:fld id="{CFE2123C-B64D-A343-BD51-70F5FE8B4A19}" type="datetimeFigureOut">
               <a:rPr lang="en-US" smtClean="0"/>
-              <a:t>5/9/16</a:t>
+              <a:t>5/12/16</a:t>
             </a:fld>
             <a:endParaRPr lang="en-US"/>
           </a:p>
@@ -2114,7 +2114,7 @@
           <a:p>
             <a:fld id="{CFE2123C-B64D-A343-BD51-70F5FE8B4A19}" type="datetimeFigureOut">
               <a:rPr lang="en-US" smtClean="0"/>
-              <a:t>5/9/16</a:t>
+              <a:t>5/12/16</a:t>
             </a:fld>
             <a:endParaRPr lang="en-US"/>
           </a:p>
@@ -2367,7 +2367,7 @@
           <a:p>
             <a:fld id="{CFE2123C-B64D-A343-BD51-70F5FE8B4A19}" type="datetimeFigureOut">
               <a:rPr lang="en-US" smtClean="0"/>
-              <a:t>5/9/16</a:t>
+              <a:t>5/12/16</a:t>
             </a:fld>
             <a:endParaRPr lang="en-US"/>
           </a:p>
@@ -2580,7 +2580,7 @@
           <a:p>
             <a:fld id="{CFE2123C-B64D-A343-BD51-70F5FE8B4A19}" type="datetimeFigureOut">
               <a:rPr lang="en-US" smtClean="0"/>
-              <a:t>5/9/16</a:t>
+              <a:t>5/12/16</a:t>
             </a:fld>
             <a:endParaRPr lang="en-US"/>
           </a:p>
@@ -2987,18 +2987,16 @@
       </p:grpSpPr>
       <p:grpSp>
         <p:nvGrpSpPr>
-          <p:cNvPr id="33" name="Group 32"/>
-          <p:cNvGrpSpPr>
-            <a:grpSpLocks noChangeAspect="1"/>
-          </p:cNvGrpSpPr>
+          <p:cNvPr id="3" name="Group 2"/>
+          <p:cNvGrpSpPr/>
           <p:nvPr/>
         </p:nvGrpSpPr>
         <p:grpSpPr>
           <a:xfrm>
-            <a:off x="342331" y="1300766"/>
-            <a:ext cx="11519112" cy="3953813"/>
-            <a:chOff x="1102184" y="1495912"/>
-            <a:chExt cx="9877242" cy="3555298"/>
+            <a:off x="393846" y="1294005"/>
+            <a:ext cx="11467597" cy="3481915"/>
+            <a:chOff x="393846" y="1294005"/>
+            <a:chExt cx="11467597" cy="3481915"/>
           </a:xfrm>
         </p:grpSpPr>
         <p:cxnSp>
@@ -3009,8 +3007,8 @@
           </p:nvCxnSpPr>
           <p:spPr>
             <a:xfrm>
-              <a:off x="1212574" y="1865244"/>
-              <a:ext cx="9766852" cy="0"/>
+              <a:off x="471071" y="1711497"/>
+              <a:ext cx="11390372" cy="0"/>
             </a:xfrm>
             <a:prstGeom prst="line">
               <a:avLst/>
@@ -3048,8 +3046,8 @@
           </p:nvGrpSpPr>
           <p:grpSpPr>
             <a:xfrm>
-              <a:off x="1212574" y="2077517"/>
-              <a:ext cx="2673626" cy="322785"/>
+              <a:off x="471071" y="1908926"/>
+              <a:ext cx="3118056" cy="358966"/>
               <a:chOff x="1212574" y="2077517"/>
               <a:chExt cx="2673626" cy="322785"/>
             </a:xfrm>
@@ -3102,7 +3100,11 @@
               <a:lstStyle/>
               <a:p>
                 <a:pPr algn="ctr"/>
-                <a:endParaRPr lang="en-US"/>
+                <a:r>
+                  <a:rPr lang="en-US" sz="1400" dirty="0" smtClean="0"/>
+                  <a:t>TRAIN</a:t>
+                </a:r>
+                <a:endParaRPr lang="en-US" sz="1400" dirty="0"/>
               </a:p>
             </p:txBody>
           </p:sp>
@@ -3156,7 +3158,11 @@
               <a:lstStyle/>
               <a:p>
                 <a:pPr algn="ctr"/>
-                <a:endParaRPr lang="en-US"/>
+                <a:r>
+                  <a:rPr lang="en-US" sz="1400" dirty="0" smtClean="0"/>
+                  <a:t>PREDICT</a:t>
+                </a:r>
+                <a:endParaRPr lang="en-US" sz="1400" dirty="0"/>
               </a:p>
             </p:txBody>
           </p:sp>
@@ -3169,8 +3175,8 @@
           </p:nvGrpSpPr>
           <p:grpSpPr>
             <a:xfrm>
-              <a:off x="1985460" y="2612574"/>
-              <a:ext cx="2673626" cy="322785"/>
+              <a:off x="1378779" y="2427803"/>
+              <a:ext cx="3118056" cy="358966"/>
               <a:chOff x="1212574" y="2077517"/>
               <a:chExt cx="2673626" cy="322785"/>
             </a:xfrm>
@@ -3290,8 +3296,8 @@
           </p:nvGrpSpPr>
           <p:grpSpPr>
             <a:xfrm>
-              <a:off x="2742017" y="3147631"/>
-              <a:ext cx="2673626" cy="322785"/>
+              <a:off x="2270296" y="2946680"/>
+              <a:ext cx="3118056" cy="358966"/>
               <a:chOff x="1212574" y="2077517"/>
               <a:chExt cx="2673626" cy="322785"/>
             </a:xfrm>
@@ -3403,168 +3409,6 @@
             </p:txBody>
           </p:sp>
         </p:grpSp>
-        <p:sp>
-          <p:nvSpPr>
-            <p:cNvPr id="15" name="Oval 14"/>
-            <p:cNvSpPr/>
-            <p:nvPr/>
-          </p:nvSpPr>
-          <p:spPr>
-            <a:xfrm>
-              <a:off x="4983242" y="3853915"/>
-              <a:ext cx="144000" cy="144000"/>
-            </a:xfrm>
-            <a:prstGeom prst="ellipse">
-              <a:avLst/>
-            </a:prstGeom>
-            <a:solidFill>
-              <a:schemeClr val="tx1">
-                <a:lumMod val="85000"/>
-                <a:lumOff val="15000"/>
-              </a:schemeClr>
-            </a:solidFill>
-            <a:ln>
-              <a:solidFill>
-                <a:schemeClr val="tx1">
-                  <a:lumMod val="85000"/>
-                  <a:lumOff val="15000"/>
-                </a:schemeClr>
-              </a:solidFill>
-            </a:ln>
-          </p:spPr>
-          <p:style>
-            <a:lnRef idx="2">
-              <a:schemeClr val="accent1">
-                <a:shade val="50000"/>
-              </a:schemeClr>
-            </a:lnRef>
-            <a:fillRef idx="1">
-              <a:schemeClr val="accent1"/>
-            </a:fillRef>
-            <a:effectRef idx="0">
-              <a:schemeClr val="accent1"/>
-            </a:effectRef>
-            <a:fontRef idx="minor">
-              <a:schemeClr val="lt1"/>
-            </a:fontRef>
-          </p:style>
-          <p:txBody>
-            <a:bodyPr rtlCol="0" anchor="ctr"/>
-            <a:lstStyle/>
-            <a:p>
-              <a:pPr algn="ctr"/>
-              <a:endParaRPr lang="en-US"/>
-            </a:p>
-          </p:txBody>
-        </p:sp>
-        <p:sp>
-          <p:nvSpPr>
-            <p:cNvPr id="16" name="Oval 15"/>
-            <p:cNvSpPr/>
-            <p:nvPr/>
-          </p:nvSpPr>
-          <p:spPr>
-            <a:xfrm>
-              <a:off x="5482470" y="3853915"/>
-              <a:ext cx="144000" cy="144000"/>
-            </a:xfrm>
-            <a:prstGeom prst="ellipse">
-              <a:avLst/>
-            </a:prstGeom>
-            <a:solidFill>
-              <a:schemeClr val="tx1">
-                <a:lumMod val="85000"/>
-                <a:lumOff val="15000"/>
-              </a:schemeClr>
-            </a:solidFill>
-            <a:ln>
-              <a:solidFill>
-                <a:schemeClr val="tx1">
-                  <a:lumMod val="85000"/>
-                  <a:lumOff val="15000"/>
-                </a:schemeClr>
-              </a:solidFill>
-            </a:ln>
-          </p:spPr>
-          <p:style>
-            <a:lnRef idx="2">
-              <a:schemeClr val="accent1">
-                <a:shade val="50000"/>
-              </a:schemeClr>
-            </a:lnRef>
-            <a:fillRef idx="1">
-              <a:schemeClr val="accent1"/>
-            </a:fillRef>
-            <a:effectRef idx="0">
-              <a:schemeClr val="accent1"/>
-            </a:effectRef>
-            <a:fontRef idx="minor">
-              <a:schemeClr val="lt1"/>
-            </a:fontRef>
-          </p:style>
-          <p:txBody>
-            <a:bodyPr rtlCol="0" anchor="ctr"/>
-            <a:lstStyle/>
-            <a:p>
-              <a:pPr algn="ctr"/>
-              <a:endParaRPr lang="en-US"/>
-            </a:p>
-          </p:txBody>
-        </p:sp>
-        <p:sp>
-          <p:nvSpPr>
-            <p:cNvPr id="17" name="Oval 16"/>
-            <p:cNvSpPr/>
-            <p:nvPr/>
-          </p:nvSpPr>
-          <p:spPr>
-            <a:xfrm>
-              <a:off x="5981698" y="3853915"/>
-              <a:ext cx="144000" cy="144000"/>
-            </a:xfrm>
-            <a:prstGeom prst="ellipse">
-              <a:avLst/>
-            </a:prstGeom>
-            <a:solidFill>
-              <a:schemeClr val="tx1">
-                <a:lumMod val="85000"/>
-                <a:lumOff val="15000"/>
-              </a:schemeClr>
-            </a:solidFill>
-            <a:ln>
-              <a:solidFill>
-                <a:schemeClr val="tx1">
-                  <a:lumMod val="85000"/>
-                  <a:lumOff val="15000"/>
-                </a:schemeClr>
-              </a:solidFill>
-            </a:ln>
-          </p:spPr>
-          <p:style>
-            <a:lnRef idx="2">
-              <a:schemeClr val="accent1">
-                <a:shade val="50000"/>
-              </a:schemeClr>
-            </a:lnRef>
-            <a:fillRef idx="1">
-              <a:schemeClr val="accent1"/>
-            </a:fillRef>
-            <a:effectRef idx="0">
-              <a:schemeClr val="accent1"/>
-            </a:effectRef>
-            <a:fontRef idx="minor">
-              <a:schemeClr val="lt1"/>
-            </a:fontRef>
-          </p:style>
-          <p:txBody>
-            <a:bodyPr rtlCol="0" anchor="ctr"/>
-            <a:lstStyle/>
-            <a:p>
-              <a:pPr algn="ctr"/>
-              <a:endParaRPr lang="en-US"/>
-            </a:p>
-          </p:txBody>
-        </p:sp>
         <p:grpSp>
           <p:nvGrpSpPr>
             <p:cNvPr id="20" name="Group 19"/>
@@ -3573,8 +3417,8 @@
           </p:nvGrpSpPr>
           <p:grpSpPr>
             <a:xfrm>
-              <a:off x="8305800" y="4728425"/>
-              <a:ext cx="2673626" cy="322785"/>
+              <a:off x="8743387" y="4416954"/>
+              <a:ext cx="3118056" cy="358966"/>
               <a:chOff x="1212574" y="2077517"/>
               <a:chExt cx="2673626" cy="322785"/>
             </a:xfrm>
@@ -3694,8 +3538,8 @@
           </p:nvGrpSpPr>
           <p:grpSpPr>
             <a:xfrm>
-              <a:off x="7530785" y="4195025"/>
-              <a:ext cx="2673626" cy="322785"/>
+              <a:off x="7861437" y="3903179"/>
+              <a:ext cx="3118056" cy="358966"/>
               <a:chOff x="1212574" y="2077517"/>
               <a:chExt cx="2673626" cy="322785"/>
             </a:xfrm>
@@ -3807,168 +3651,345 @@
             </p:txBody>
           </p:sp>
         </p:grpSp>
-        <p:sp>
-          <p:nvSpPr>
-            <p:cNvPr id="26" name="Oval 25"/>
-            <p:cNvSpPr/>
+        <p:grpSp>
+          <p:nvGrpSpPr>
+            <p:cNvPr id="2" name="Group 1"/>
+            <p:cNvGrpSpPr/>
             <p:nvPr/>
-          </p:nvSpPr>
-          <p:spPr>
+          </p:nvGrpSpPr>
+          <p:grpSpPr>
             <a:xfrm>
-              <a:off x="6480926" y="3853915"/>
-              <a:ext cx="144000" cy="144000"/>
+              <a:off x="4950367" y="3523834"/>
+              <a:ext cx="3079007" cy="160141"/>
+              <a:chOff x="4868528" y="3923079"/>
+              <a:chExt cx="3079007" cy="160141"/>
             </a:xfrm>
-            <a:prstGeom prst="ellipse">
-              <a:avLst/>
-            </a:prstGeom>
-            <a:solidFill>
-              <a:schemeClr val="tx1">
-                <a:lumMod val="85000"/>
-                <a:lumOff val="15000"/>
-              </a:schemeClr>
-            </a:solidFill>
-            <a:ln>
+          </p:grpSpPr>
+          <p:sp>
+            <p:nvSpPr>
+              <p:cNvPr id="15" name="Oval 14"/>
+              <p:cNvSpPr/>
+              <p:nvPr/>
+            </p:nvSpPr>
+            <p:spPr>
+              <a:xfrm>
+                <a:off x="4868528" y="3923079"/>
+                <a:ext cx="167937" cy="160141"/>
+              </a:xfrm>
+              <a:prstGeom prst="ellipse">
+                <a:avLst/>
+              </a:prstGeom>
               <a:solidFill>
                 <a:schemeClr val="tx1">
                   <a:lumMod val="85000"/>
                   <a:lumOff val="15000"/>
                 </a:schemeClr>
               </a:solidFill>
-            </a:ln>
-          </p:spPr>
-          <p:style>
-            <a:lnRef idx="2">
-              <a:schemeClr val="accent1">
-                <a:shade val="50000"/>
-              </a:schemeClr>
-            </a:lnRef>
-            <a:fillRef idx="1">
-              <a:schemeClr val="accent1"/>
-            </a:fillRef>
-            <a:effectRef idx="0">
-              <a:schemeClr val="accent1"/>
-            </a:effectRef>
-            <a:fontRef idx="minor">
-              <a:schemeClr val="lt1"/>
-            </a:fontRef>
-          </p:style>
-          <p:txBody>
-            <a:bodyPr rtlCol="0" anchor="ctr"/>
-            <a:lstStyle/>
-            <a:p>
-              <a:pPr algn="ctr"/>
-              <a:endParaRPr lang="en-US"/>
-            </a:p>
-          </p:txBody>
-        </p:sp>
-        <p:sp>
-          <p:nvSpPr>
-            <p:cNvPr id="27" name="Oval 26"/>
-            <p:cNvSpPr/>
-            <p:nvPr/>
-          </p:nvSpPr>
-          <p:spPr>
-            <a:xfrm>
-              <a:off x="6980154" y="3853915"/>
-              <a:ext cx="144000" cy="144000"/>
-            </a:xfrm>
-            <a:prstGeom prst="ellipse">
-              <a:avLst/>
-            </a:prstGeom>
-            <a:solidFill>
-              <a:schemeClr val="tx1">
-                <a:lumMod val="85000"/>
-                <a:lumOff val="15000"/>
-              </a:schemeClr>
-            </a:solidFill>
-            <a:ln>
+              <a:ln>
+                <a:solidFill>
+                  <a:schemeClr val="tx1">
+                    <a:lumMod val="85000"/>
+                    <a:lumOff val="15000"/>
+                  </a:schemeClr>
+                </a:solidFill>
+              </a:ln>
+            </p:spPr>
+            <p:style>
+              <a:lnRef idx="2">
+                <a:schemeClr val="accent1">
+                  <a:shade val="50000"/>
+                </a:schemeClr>
+              </a:lnRef>
+              <a:fillRef idx="1">
+                <a:schemeClr val="accent1"/>
+              </a:fillRef>
+              <a:effectRef idx="0">
+                <a:schemeClr val="accent1"/>
+              </a:effectRef>
+              <a:fontRef idx="minor">
+                <a:schemeClr val="lt1"/>
+              </a:fontRef>
+            </p:style>
+            <p:txBody>
+              <a:bodyPr rtlCol="0" anchor="ctr"/>
+              <a:lstStyle/>
+              <a:p>
+                <a:pPr algn="ctr"/>
+                <a:endParaRPr lang="en-US"/>
+              </a:p>
+            </p:txBody>
+          </p:sp>
+          <p:sp>
+            <p:nvSpPr>
+              <p:cNvPr id="16" name="Oval 15"/>
+              <p:cNvSpPr/>
+              <p:nvPr/>
+            </p:nvSpPr>
+            <p:spPr>
+              <a:xfrm>
+                <a:off x="5450741" y="3923079"/>
+                <a:ext cx="167937" cy="160141"/>
+              </a:xfrm>
+              <a:prstGeom prst="ellipse">
+                <a:avLst/>
+              </a:prstGeom>
               <a:solidFill>
                 <a:schemeClr val="tx1">
                   <a:lumMod val="85000"/>
                   <a:lumOff val="15000"/>
                 </a:schemeClr>
               </a:solidFill>
-            </a:ln>
-          </p:spPr>
-          <p:style>
-            <a:lnRef idx="2">
-              <a:schemeClr val="accent1">
-                <a:shade val="50000"/>
-              </a:schemeClr>
-            </a:lnRef>
-            <a:fillRef idx="1">
-              <a:schemeClr val="accent1"/>
-            </a:fillRef>
-            <a:effectRef idx="0">
-              <a:schemeClr val="accent1"/>
-            </a:effectRef>
-            <a:fontRef idx="minor">
-              <a:schemeClr val="lt1"/>
-            </a:fontRef>
-          </p:style>
-          <p:txBody>
-            <a:bodyPr rtlCol="0" anchor="ctr"/>
-            <a:lstStyle/>
-            <a:p>
-              <a:pPr algn="ctr"/>
-              <a:endParaRPr lang="en-US"/>
-            </a:p>
-          </p:txBody>
-        </p:sp>
-        <p:sp>
-          <p:nvSpPr>
-            <p:cNvPr id="28" name="Oval 27"/>
-            <p:cNvSpPr/>
-            <p:nvPr/>
-          </p:nvSpPr>
-          <p:spPr>
-            <a:xfrm>
-              <a:off x="7479384" y="3853915"/>
-              <a:ext cx="144000" cy="144000"/>
-            </a:xfrm>
-            <a:prstGeom prst="ellipse">
-              <a:avLst/>
-            </a:prstGeom>
-            <a:solidFill>
-              <a:schemeClr val="tx1">
-                <a:lumMod val="85000"/>
-                <a:lumOff val="15000"/>
-              </a:schemeClr>
-            </a:solidFill>
-            <a:ln>
+              <a:ln>
+                <a:solidFill>
+                  <a:schemeClr val="tx1">
+                    <a:lumMod val="85000"/>
+                    <a:lumOff val="15000"/>
+                  </a:schemeClr>
+                </a:solidFill>
+              </a:ln>
+            </p:spPr>
+            <p:style>
+              <a:lnRef idx="2">
+                <a:schemeClr val="accent1">
+                  <a:shade val="50000"/>
+                </a:schemeClr>
+              </a:lnRef>
+              <a:fillRef idx="1">
+                <a:schemeClr val="accent1"/>
+              </a:fillRef>
+              <a:effectRef idx="0">
+                <a:schemeClr val="accent1"/>
+              </a:effectRef>
+              <a:fontRef idx="minor">
+                <a:schemeClr val="lt1"/>
+              </a:fontRef>
+            </p:style>
+            <p:txBody>
+              <a:bodyPr rtlCol="0" anchor="ctr"/>
+              <a:lstStyle/>
+              <a:p>
+                <a:pPr algn="ctr"/>
+                <a:endParaRPr lang="en-US"/>
+              </a:p>
+            </p:txBody>
+          </p:sp>
+          <p:sp>
+            <p:nvSpPr>
+              <p:cNvPr id="17" name="Oval 16"/>
+              <p:cNvSpPr/>
+              <p:nvPr/>
+            </p:nvSpPr>
+            <p:spPr>
+              <a:xfrm>
+                <a:off x="6032955" y="3923079"/>
+                <a:ext cx="167937" cy="160141"/>
+              </a:xfrm>
+              <a:prstGeom prst="ellipse">
+                <a:avLst/>
+              </a:prstGeom>
               <a:solidFill>
                 <a:schemeClr val="tx1">
                   <a:lumMod val="85000"/>
                   <a:lumOff val="15000"/>
                 </a:schemeClr>
               </a:solidFill>
-            </a:ln>
-          </p:spPr>
-          <p:style>
-            <a:lnRef idx="2">
-              <a:schemeClr val="accent1">
-                <a:shade val="50000"/>
-              </a:schemeClr>
-            </a:lnRef>
-            <a:fillRef idx="1">
-              <a:schemeClr val="accent1"/>
-            </a:fillRef>
-            <a:effectRef idx="0">
-              <a:schemeClr val="accent1"/>
-            </a:effectRef>
-            <a:fontRef idx="minor">
-              <a:schemeClr val="lt1"/>
-            </a:fontRef>
-          </p:style>
-          <p:txBody>
-            <a:bodyPr rtlCol="0" anchor="ctr"/>
-            <a:lstStyle/>
-            <a:p>
-              <a:pPr algn="ctr"/>
-              <a:endParaRPr lang="en-US"/>
-            </a:p>
-          </p:txBody>
-        </p:sp>
+              <a:ln>
+                <a:solidFill>
+                  <a:schemeClr val="tx1">
+                    <a:lumMod val="85000"/>
+                    <a:lumOff val="15000"/>
+                  </a:schemeClr>
+                </a:solidFill>
+              </a:ln>
+            </p:spPr>
+            <p:style>
+              <a:lnRef idx="2">
+                <a:schemeClr val="accent1">
+                  <a:shade val="50000"/>
+                </a:schemeClr>
+              </a:lnRef>
+              <a:fillRef idx="1">
+                <a:schemeClr val="accent1"/>
+              </a:fillRef>
+              <a:effectRef idx="0">
+                <a:schemeClr val="accent1"/>
+              </a:effectRef>
+              <a:fontRef idx="minor">
+                <a:schemeClr val="lt1"/>
+              </a:fontRef>
+            </p:style>
+            <p:txBody>
+              <a:bodyPr rtlCol="0" anchor="ctr"/>
+              <a:lstStyle/>
+              <a:p>
+                <a:pPr algn="ctr"/>
+                <a:endParaRPr lang="en-US"/>
+              </a:p>
+            </p:txBody>
+          </p:sp>
+          <p:sp>
+            <p:nvSpPr>
+              <p:cNvPr id="26" name="Oval 25"/>
+              <p:cNvSpPr/>
+              <p:nvPr/>
+            </p:nvSpPr>
+            <p:spPr>
+              <a:xfrm>
+                <a:off x="6615168" y="3923079"/>
+                <a:ext cx="167937" cy="160141"/>
+              </a:xfrm>
+              <a:prstGeom prst="ellipse">
+                <a:avLst/>
+              </a:prstGeom>
+              <a:solidFill>
+                <a:schemeClr val="tx1">
+                  <a:lumMod val="85000"/>
+                  <a:lumOff val="15000"/>
+                </a:schemeClr>
+              </a:solidFill>
+              <a:ln>
+                <a:solidFill>
+                  <a:schemeClr val="tx1">
+                    <a:lumMod val="85000"/>
+                    <a:lumOff val="15000"/>
+                  </a:schemeClr>
+                </a:solidFill>
+              </a:ln>
+            </p:spPr>
+            <p:style>
+              <a:lnRef idx="2">
+                <a:schemeClr val="accent1">
+                  <a:shade val="50000"/>
+                </a:schemeClr>
+              </a:lnRef>
+              <a:fillRef idx="1">
+                <a:schemeClr val="accent1"/>
+              </a:fillRef>
+              <a:effectRef idx="0">
+                <a:schemeClr val="accent1"/>
+              </a:effectRef>
+              <a:fontRef idx="minor">
+                <a:schemeClr val="lt1"/>
+              </a:fontRef>
+            </p:style>
+            <p:txBody>
+              <a:bodyPr rtlCol="0" anchor="ctr"/>
+              <a:lstStyle/>
+              <a:p>
+                <a:pPr algn="ctr"/>
+                <a:endParaRPr lang="en-US"/>
+              </a:p>
+            </p:txBody>
+          </p:sp>
+          <p:sp>
+            <p:nvSpPr>
+              <p:cNvPr id="27" name="Oval 26"/>
+              <p:cNvSpPr/>
+              <p:nvPr/>
+            </p:nvSpPr>
+            <p:spPr>
+              <a:xfrm>
+                <a:off x="7197382" y="3923079"/>
+                <a:ext cx="167937" cy="160141"/>
+              </a:xfrm>
+              <a:prstGeom prst="ellipse">
+                <a:avLst/>
+              </a:prstGeom>
+              <a:solidFill>
+                <a:schemeClr val="tx1">
+                  <a:lumMod val="85000"/>
+                  <a:lumOff val="15000"/>
+                </a:schemeClr>
+              </a:solidFill>
+              <a:ln>
+                <a:solidFill>
+                  <a:schemeClr val="tx1">
+                    <a:lumMod val="85000"/>
+                    <a:lumOff val="15000"/>
+                  </a:schemeClr>
+                </a:solidFill>
+              </a:ln>
+            </p:spPr>
+            <p:style>
+              <a:lnRef idx="2">
+                <a:schemeClr val="accent1">
+                  <a:shade val="50000"/>
+                </a:schemeClr>
+              </a:lnRef>
+              <a:fillRef idx="1">
+                <a:schemeClr val="accent1"/>
+              </a:fillRef>
+              <a:effectRef idx="0">
+                <a:schemeClr val="accent1"/>
+              </a:effectRef>
+              <a:fontRef idx="minor">
+                <a:schemeClr val="lt1"/>
+              </a:fontRef>
+            </p:style>
+            <p:txBody>
+              <a:bodyPr rtlCol="0" anchor="ctr"/>
+              <a:lstStyle/>
+              <a:p>
+                <a:pPr algn="ctr"/>
+                <a:endParaRPr lang="en-US"/>
+              </a:p>
+            </p:txBody>
+          </p:sp>
+          <p:sp>
+            <p:nvSpPr>
+              <p:cNvPr id="28" name="Oval 27"/>
+              <p:cNvSpPr/>
+              <p:nvPr/>
+            </p:nvSpPr>
+            <p:spPr>
+              <a:xfrm>
+                <a:off x="7779598" y="3923079"/>
+                <a:ext cx="167937" cy="160141"/>
+              </a:xfrm>
+              <a:prstGeom prst="ellipse">
+                <a:avLst/>
+              </a:prstGeom>
+              <a:solidFill>
+                <a:schemeClr val="tx1">
+                  <a:lumMod val="85000"/>
+                  <a:lumOff val="15000"/>
+                </a:schemeClr>
+              </a:solidFill>
+              <a:ln>
+                <a:solidFill>
+                  <a:schemeClr val="tx1">
+                    <a:lumMod val="85000"/>
+                    <a:lumOff val="15000"/>
+                  </a:schemeClr>
+                </a:solidFill>
+              </a:ln>
+            </p:spPr>
+            <p:style>
+              <a:lnRef idx="2">
+                <a:schemeClr val="accent1">
+                  <a:shade val="50000"/>
+                </a:schemeClr>
+              </a:lnRef>
+              <a:fillRef idx="1">
+                <a:schemeClr val="accent1"/>
+              </a:fillRef>
+              <a:effectRef idx="0">
+                <a:schemeClr val="accent1"/>
+              </a:effectRef>
+              <a:fontRef idx="minor">
+                <a:schemeClr val="lt1"/>
+              </a:fontRef>
+            </p:style>
+            <p:txBody>
+              <a:bodyPr rtlCol="0" anchor="ctr"/>
+              <a:lstStyle/>
+              <a:p>
+                <a:pPr algn="ctr"/>
+                <a:endParaRPr lang="en-US"/>
+              </a:p>
+            </p:txBody>
+          </p:sp>
+        </p:grpSp>
         <p:sp>
           <p:nvSpPr>
             <p:cNvPr id="31" name="TextBox 30"/>
@@ -3977,8 +3998,8 @@
           </p:nvSpPr>
           <p:spPr>
             <a:xfrm>
-              <a:off x="1102184" y="1495912"/>
-              <a:ext cx="2032902" cy="369332"/>
+              <a:off x="393846" y="1294005"/>
+              <a:ext cx="3227019" cy="430887"/>
             </a:xfrm>
             <a:prstGeom prst="rect">
               <a:avLst/>
@@ -3992,10 +4013,14 @@
             <a:lstStyle/>
             <a:p>
               <a:r>
-                <a:rPr lang="en-US" dirty="0" smtClean="0"/>
-                <a:t>ORIGINAL DATA</a:t>
+                <a:rPr lang="en-US" sz="2200" dirty="0" smtClean="0"/>
+                <a:t>ORIGINAL </a:t>
               </a:r>
-              <a:endParaRPr lang="en-US" dirty="0"/>
+              <a:r>
+                <a:rPr lang="en-US" sz="2200" dirty="0" smtClean="0"/>
+                <a:t>DATA SET</a:t>
+              </a:r>
+              <a:endParaRPr lang="en-US" sz="2200" dirty="0"/>
             </a:p>
           </p:txBody>
         </p:sp>
@@ -4007,8 +4032,8 @@
           </p:nvSpPr>
           <p:spPr>
             <a:xfrm>
-              <a:off x="1212574" y="1844950"/>
-              <a:ext cx="9766852" cy="82725"/>
+              <a:off x="471071" y="1688928"/>
+              <a:ext cx="11390372" cy="91998"/>
             </a:xfrm>
             <a:prstGeom prst="rect">
               <a:avLst/>
